--- a/Documents/CrystalBallPresentation.pptx
+++ b/Documents/CrystalBallPresentation.pptx
@@ -5,7 +5,7 @@
     <p:sldMasterId id="2147483648" r:id="rId1"/>
   </p:sldMasterIdLst>
   <p:notesMasterIdLst>
-    <p:notesMasterId r:id="rId21"/>
+    <p:notesMasterId r:id="rId22"/>
   </p:notesMasterIdLst>
   <p:sldIdLst>
     <p:sldId id="256" r:id="rId2"/>
@@ -13,20 +13,21 @@
     <p:sldId id="258" r:id="rId4"/>
     <p:sldId id="259" r:id="rId5"/>
     <p:sldId id="261" r:id="rId6"/>
-    <p:sldId id="260" r:id="rId7"/>
-    <p:sldId id="262" r:id="rId8"/>
-    <p:sldId id="263" r:id="rId9"/>
-    <p:sldId id="264" r:id="rId10"/>
-    <p:sldId id="265" r:id="rId11"/>
-    <p:sldId id="267" r:id="rId12"/>
-    <p:sldId id="266" r:id="rId13"/>
-    <p:sldId id="268" r:id="rId14"/>
-    <p:sldId id="269" r:id="rId15"/>
-    <p:sldId id="270" r:id="rId16"/>
-    <p:sldId id="271" r:id="rId17"/>
-    <p:sldId id="272" r:id="rId18"/>
-    <p:sldId id="273" r:id="rId19"/>
-    <p:sldId id="274" r:id="rId20"/>
+    <p:sldId id="275" r:id="rId7"/>
+    <p:sldId id="260" r:id="rId8"/>
+    <p:sldId id="262" r:id="rId9"/>
+    <p:sldId id="263" r:id="rId10"/>
+    <p:sldId id="264" r:id="rId11"/>
+    <p:sldId id="265" r:id="rId12"/>
+    <p:sldId id="267" r:id="rId13"/>
+    <p:sldId id="266" r:id="rId14"/>
+    <p:sldId id="268" r:id="rId15"/>
+    <p:sldId id="269" r:id="rId16"/>
+    <p:sldId id="270" r:id="rId17"/>
+    <p:sldId id="271" r:id="rId18"/>
+    <p:sldId id="272" r:id="rId19"/>
+    <p:sldId id="273" r:id="rId20"/>
+    <p:sldId id="274" r:id="rId21"/>
   </p:sldIdLst>
   <p:sldSz cx="12192000" cy="6858000"/>
   <p:notesSz cx="6858000" cy="9144000"/>
@@ -215,7 +216,7 @@
           <a:p>
             <a:fld id="{DD7179F4-0B8E-AC41-918C-AE180E73DC8F}" type="datetimeFigureOut">
               <a:rPr lang="en-US" smtClean="0"/>
-              <a:t>12/12/15</a:t>
+              <a:t>12/13/15</a:t>
             </a:fld>
             <a:endParaRPr lang="en-US"/>
           </a:p>
@@ -635,7 +636,7 @@
           <a:p>
             <a:fld id="{5295565E-B74D-1D48-A8A1-FBE20F93F0CB}" type="slidenum">
               <a:rPr lang="en-US" smtClean="0"/>
-              <a:t>11</a:t>
+              <a:t>12</a:t>
             </a:fld>
             <a:endParaRPr lang="en-US"/>
           </a:p>
@@ -719,7 +720,7 @@
           <a:p>
             <a:fld id="{5295565E-B74D-1D48-A8A1-FBE20F93F0CB}" type="slidenum">
               <a:rPr lang="en-US" smtClean="0"/>
-              <a:t>12</a:t>
+              <a:t>13</a:t>
             </a:fld>
             <a:endParaRPr lang="en-US"/>
           </a:p>
@@ -803,7 +804,7 @@
           <a:p>
             <a:fld id="{5295565E-B74D-1D48-A8A1-FBE20F93F0CB}" type="slidenum">
               <a:rPr lang="en-US" smtClean="0"/>
-              <a:t>13</a:t>
+              <a:t>14</a:t>
             </a:fld>
             <a:endParaRPr lang="en-US"/>
           </a:p>
@@ -887,7 +888,7 @@
           <a:p>
             <a:fld id="{5295565E-B74D-1D48-A8A1-FBE20F93F0CB}" type="slidenum">
               <a:rPr lang="en-US" smtClean="0"/>
-              <a:t>14</a:t>
+              <a:t>15</a:t>
             </a:fld>
             <a:endParaRPr lang="en-US"/>
           </a:p>
@@ -971,7 +972,7 @@
           <a:p>
             <a:fld id="{5295565E-B74D-1D48-A8A1-FBE20F93F0CB}" type="slidenum">
               <a:rPr lang="en-US" smtClean="0"/>
-              <a:t>15</a:t>
+              <a:t>16</a:t>
             </a:fld>
             <a:endParaRPr lang="en-US"/>
           </a:p>
@@ -1058,7 +1059,7 @@
           <a:p>
             <a:fld id="{5295565E-B74D-1D48-A8A1-FBE20F93F0CB}" type="slidenum">
               <a:rPr lang="en-US" smtClean="0"/>
-              <a:t>16</a:t>
+              <a:t>17</a:t>
             </a:fld>
             <a:endParaRPr lang="en-US"/>
           </a:p>
@@ -1145,7 +1146,7 @@
           <a:p>
             <a:fld id="{5295565E-B74D-1D48-A8A1-FBE20F93F0CB}" type="slidenum">
               <a:rPr lang="en-US" smtClean="0"/>
-              <a:t>17</a:t>
+              <a:t>18</a:t>
             </a:fld>
             <a:endParaRPr lang="en-US"/>
           </a:p>
@@ -1229,7 +1230,7 @@
           <a:p>
             <a:fld id="{5295565E-B74D-1D48-A8A1-FBE20F93F0CB}" type="slidenum">
               <a:rPr lang="en-US" smtClean="0"/>
-              <a:t>18</a:t>
+              <a:t>19</a:t>
             </a:fld>
             <a:endParaRPr lang="en-US"/>
           </a:p>
@@ -1565,7 +1566,7 @@
           <a:p>
             <a:fld id="{5295565E-B74D-1D48-A8A1-FBE20F93F0CB}" type="slidenum">
               <a:rPr lang="en-US" smtClean="0"/>
-              <a:t>6</a:t>
+              <a:t>7</a:t>
             </a:fld>
             <a:endParaRPr lang="en-US"/>
           </a:p>
@@ -1649,7 +1650,7 @@
           <a:p>
             <a:fld id="{5295565E-B74D-1D48-A8A1-FBE20F93F0CB}" type="slidenum">
               <a:rPr lang="en-US" smtClean="0"/>
-              <a:t>7</a:t>
+              <a:t>8</a:t>
             </a:fld>
             <a:endParaRPr lang="en-US"/>
           </a:p>
@@ -1733,7 +1734,7 @@
           <a:p>
             <a:fld id="{5295565E-B74D-1D48-A8A1-FBE20F93F0CB}" type="slidenum">
               <a:rPr lang="en-US" smtClean="0"/>
-              <a:t>8</a:t>
+              <a:t>9</a:t>
             </a:fld>
             <a:endParaRPr lang="en-US"/>
           </a:p>
@@ -1817,7 +1818,7 @@
           <a:p>
             <a:fld id="{5295565E-B74D-1D48-A8A1-FBE20F93F0CB}" type="slidenum">
               <a:rPr lang="en-US" smtClean="0"/>
-              <a:t>9</a:t>
+              <a:t>10</a:t>
             </a:fld>
             <a:endParaRPr lang="en-US"/>
           </a:p>
@@ -1904,7 +1905,7 @@
           <a:p>
             <a:fld id="{5295565E-B74D-1D48-A8A1-FBE20F93F0CB}" type="slidenum">
               <a:rPr lang="en-US" smtClean="0"/>
-              <a:t>10</a:t>
+              <a:t>11</a:t>
             </a:fld>
             <a:endParaRPr lang="en-US"/>
           </a:p>
@@ -2426,7 +2427,7 @@
             <a:fld id="{B61BEF0D-F0BB-DE4B-95CE-6DB70DBA9567}" type="datetimeFigureOut">
               <a:rPr lang="en-US" dirty="0"/>
               <a:pPr/>
-              <a:t>12/12/15</a:t>
+              <a:t>12/13/15</a:t>
             </a:fld>
             <a:endParaRPr lang="en-US" dirty="0"/>
           </a:p>
@@ -2719,7 +2720,7 @@
             <a:fld id="{B61BEF0D-F0BB-DE4B-95CE-6DB70DBA9567}" type="datetimeFigureOut">
               <a:rPr lang="en-US" dirty="0"/>
               <a:pPr/>
-              <a:t>12/12/15</a:t>
+              <a:t>12/13/15</a:t>
             </a:fld>
             <a:endParaRPr lang="en-US" dirty="0"/>
           </a:p>
@@ -2964,7 +2965,7 @@
             <a:fld id="{B61BEF0D-F0BB-DE4B-95CE-6DB70DBA9567}" type="datetimeFigureOut">
               <a:rPr lang="en-US" dirty="0"/>
               <a:pPr/>
-              <a:t>12/12/15</a:t>
+              <a:t>12/13/15</a:t>
             </a:fld>
             <a:endParaRPr lang="en-US" dirty="0"/>
           </a:p>
@@ -3501,7 +3502,7 @@
             <a:fld id="{B61BEF0D-F0BB-DE4B-95CE-6DB70DBA9567}" type="datetimeFigureOut">
               <a:rPr lang="en-US" dirty="0"/>
               <a:pPr/>
-              <a:t>12/12/15</a:t>
+              <a:t>12/13/15</a:t>
             </a:fld>
             <a:endParaRPr lang="en-US" dirty="0"/>
           </a:p>
@@ -3746,7 +3747,7 @@
             <a:fld id="{B61BEF0D-F0BB-DE4B-95CE-6DB70DBA9567}" type="datetimeFigureOut">
               <a:rPr lang="en-US" dirty="0"/>
               <a:pPr/>
-              <a:t>12/12/15</a:t>
+              <a:t>12/13/15</a:t>
             </a:fld>
             <a:endParaRPr lang="en-US" dirty="0"/>
           </a:p>
@@ -4275,7 +4276,7 @@
             <a:fld id="{B61BEF0D-F0BB-DE4B-95CE-6DB70DBA9567}" type="datetimeFigureOut">
               <a:rPr lang="en-US" dirty="0"/>
               <a:pPr/>
-              <a:t>12/12/15</a:t>
+              <a:t>12/13/15</a:t>
             </a:fld>
             <a:endParaRPr lang="en-US" dirty="0"/>
           </a:p>
@@ -4569,7 +4570,7 @@
             <a:fld id="{B61BEF0D-F0BB-DE4B-95CE-6DB70DBA9567}" type="datetimeFigureOut">
               <a:rPr lang="en-US" dirty="0"/>
               <a:pPr/>
-              <a:t>12/12/15</a:t>
+              <a:t>12/13/15</a:t>
             </a:fld>
             <a:endParaRPr lang="en-US" dirty="0"/>
           </a:p>
@@ -4740,7 +4741,7 @@
             <a:fld id="{B61BEF0D-F0BB-DE4B-95CE-6DB70DBA9567}" type="datetimeFigureOut">
               <a:rPr lang="en-US" dirty="0"/>
               <a:pPr/>
-              <a:t>12/12/15</a:t>
+              <a:t>12/13/15</a:t>
             </a:fld>
             <a:endParaRPr lang="en-US" dirty="0"/>
           </a:p>
@@ -4917,7 +4918,7 @@
             <a:fld id="{B61BEF0D-F0BB-DE4B-95CE-6DB70DBA9567}" type="datetimeFigureOut">
               <a:rPr lang="en-US" dirty="0"/>
               <a:pPr/>
-              <a:t>12/12/15</a:t>
+              <a:t>12/13/15</a:t>
             </a:fld>
             <a:endParaRPr lang="en-US" dirty="0"/>
           </a:p>
@@ -5084,7 +5085,7 @@
             <a:fld id="{B61BEF0D-F0BB-DE4B-95CE-6DB70DBA9567}" type="datetimeFigureOut">
               <a:rPr lang="en-US" dirty="0"/>
               <a:pPr/>
-              <a:t>12/12/15</a:t>
+              <a:t>12/13/15</a:t>
             </a:fld>
             <a:endParaRPr lang="en-US" dirty="0"/>
           </a:p>
@@ -5332,7 +5333,7 @@
             <a:fld id="{B61BEF0D-F0BB-DE4B-95CE-6DB70DBA9567}" type="datetimeFigureOut">
               <a:rPr lang="en-US" dirty="0"/>
               <a:pPr/>
-              <a:t>12/12/15</a:t>
+              <a:t>12/13/15</a:t>
             </a:fld>
             <a:endParaRPr lang="en-US" dirty="0"/>
           </a:p>
@@ -5626,7 +5627,7 @@
             <a:fld id="{B61BEF0D-F0BB-DE4B-95CE-6DB70DBA9567}" type="datetimeFigureOut">
               <a:rPr lang="en-US" dirty="0"/>
               <a:pPr/>
-              <a:t>12/12/15</a:t>
+              <a:t>12/13/15</a:t>
             </a:fld>
             <a:endParaRPr lang="en-US" dirty="0"/>
           </a:p>
@@ -6065,7 +6066,7 @@
             <a:fld id="{B61BEF0D-F0BB-DE4B-95CE-6DB70DBA9567}" type="datetimeFigureOut">
               <a:rPr lang="en-US" dirty="0"/>
               <a:pPr/>
-              <a:t>12/12/15</a:t>
+              <a:t>12/13/15</a:t>
             </a:fld>
             <a:endParaRPr lang="en-US" dirty="0"/>
           </a:p>
@@ -6180,7 +6181,7 @@
             <a:fld id="{B61BEF0D-F0BB-DE4B-95CE-6DB70DBA9567}" type="datetimeFigureOut">
               <a:rPr lang="en-US" dirty="0"/>
               <a:pPr/>
-              <a:t>12/12/15</a:t>
+              <a:t>12/13/15</a:t>
             </a:fld>
             <a:endParaRPr lang="en-US" dirty="0"/>
           </a:p>
@@ -6272,7 +6273,7 @@
             <a:fld id="{B61BEF0D-F0BB-DE4B-95CE-6DB70DBA9567}" type="datetimeFigureOut">
               <a:rPr lang="en-US" dirty="0"/>
               <a:pPr/>
-              <a:t>12/12/15</a:t>
+              <a:t>12/13/15</a:t>
             </a:fld>
             <a:endParaRPr lang="en-US" dirty="0"/>
           </a:p>
@@ -6552,7 +6553,7 @@
             <a:fld id="{B61BEF0D-F0BB-DE4B-95CE-6DB70DBA9567}" type="datetimeFigureOut">
               <a:rPr lang="en-US" dirty="0"/>
               <a:pPr/>
-              <a:t>12/12/15</a:t>
+              <a:t>12/13/15</a:t>
             </a:fld>
             <a:endParaRPr lang="en-US" dirty="0"/>
           </a:p>
@@ -6840,7 +6841,7 @@
             <a:fld id="{B61BEF0D-F0BB-DE4B-95CE-6DB70DBA9567}" type="datetimeFigureOut">
               <a:rPr lang="en-US" dirty="0"/>
               <a:pPr/>
-              <a:t>12/12/15</a:t>
+              <a:t>12/13/15</a:t>
             </a:fld>
             <a:endParaRPr lang="en-US" dirty="0"/>
           </a:p>
@@ -7367,7 +7368,7 @@
             <a:fld id="{B61BEF0D-F0BB-DE4B-95CE-6DB70DBA9567}" type="datetimeFigureOut">
               <a:rPr lang="en-US" dirty="0"/>
               <a:pPr/>
-              <a:t>12/12/15</a:t>
+              <a:t>12/13/15</a:t>
             </a:fld>
             <a:endParaRPr lang="en-US" dirty="0"/>
           </a:p>
@@ -7961,11 +7962,7 @@
             </a:r>
             <a:r>
               <a:rPr lang="en-US" smtClean="0"/>
-              <a:t>(</a:t>
-            </a:r>
-            <a:r>
-              <a:rPr lang="en-US" smtClean="0"/>
-              <a:t>984681)</a:t>
+              <a:t>(984681)</a:t>
             </a:r>
             <a:endParaRPr lang="en-US" dirty="0" smtClean="0"/>
           </a:p>
@@ -8045,30 +8042,29 @@
             <p:ph type="title"/>
           </p:nvPr>
         </p:nvSpPr>
-        <p:spPr>
-          <a:xfrm>
-            <a:off x="1552045" y="-8467"/>
-            <a:ext cx="10018713" cy="1752599"/>
-          </a:xfrm>
-        </p:spPr>
+        <p:spPr/>
         <p:txBody>
           <a:bodyPr/>
           <a:lstStyle/>
           <a:p>
             <a:r>
               <a:rPr lang="en-US" dirty="0"/>
-              <a:t>Java </a:t>
+              <a:t>Pseudo code </a:t>
             </a:r>
             <a:r>
               <a:rPr lang="en-US" dirty="0" smtClean="0"/>
-              <a:t>code – STRIPE approach</a:t>
+              <a:t>– STRIPE approach</a:t>
+            </a:r>
+            <a:r>
+              <a:rPr lang="en-US" dirty="0"/>
+              <a:t/>
             </a:r>
             <a:br>
+              <a:rPr lang="en-US" dirty="0"/>
+            </a:br>
+            <a:r>
               <a:rPr lang="en-US" dirty="0" smtClean="0"/>
-            </a:br>
-            <a:r>
-              <a:rPr lang="en-US" dirty="0" smtClean="0"/>
-              <a:t>Reducer 1</a:t>
+              <a:t>Reducer</a:t>
             </a:r>
             <a:endParaRPr lang="en-US" dirty="0"/>
           </a:p>
@@ -8076,7 +8072,7 @@
       </p:sp>
       <p:pic>
         <p:nvPicPr>
-          <p:cNvPr id="7" name="Content Placeholder 6"/>
+          <p:cNvPr id="6" name="Content Placeholder 5"/>
           <p:cNvPicPr>
             <a:picLocks noGrp="1" noChangeAspect="1"/>
           </p:cNvPicPr>
@@ -8098,15 +8094,15 @@
         </p:blipFill>
         <p:spPr>
           <a:xfrm>
-            <a:off x="2810933" y="1499922"/>
-            <a:ext cx="8421158" cy="5060363"/>
+            <a:off x="3111136" y="2692400"/>
+            <a:ext cx="6765061" cy="3856567"/>
           </a:xfrm>
         </p:spPr>
       </p:pic>
     </p:spTree>
     <p:extLst>
       <p:ext uri="{BB962C8B-B14F-4D97-AF65-F5344CB8AC3E}">
-        <p14:creationId xmlns:p14="http://schemas.microsoft.com/office/powerpoint/2010/main" val="2038664370"/>
+        <p14:creationId xmlns:p14="http://schemas.microsoft.com/office/powerpoint/2010/main" val="1973594324"/>
       </p:ext>
     </p:extLst>
   </p:cSld>
@@ -8181,7 +8177,7 @@
             </a:br>
             <a:r>
               <a:rPr lang="en-US" dirty="0" smtClean="0"/>
-              <a:t>Reducer 2</a:t>
+              <a:t>Reducer 1</a:t>
             </a:r>
             <a:endParaRPr lang="en-US" dirty="0"/>
           </a:p>
@@ -8189,7 +8185,7 @@
       </p:sp>
       <p:pic>
         <p:nvPicPr>
-          <p:cNvPr id="4" name="Content Placeholder 3"/>
+          <p:cNvPr id="7" name="Content Placeholder 6"/>
           <p:cNvPicPr>
             <a:picLocks noGrp="1" noChangeAspect="1"/>
           </p:cNvPicPr>
@@ -8211,15 +8207,15 @@
         </p:blipFill>
         <p:spPr>
           <a:xfrm>
-            <a:off x="1869977" y="2827866"/>
-            <a:ext cx="10022515" cy="2878667"/>
+            <a:off x="2810933" y="1499922"/>
+            <a:ext cx="8421158" cy="5060363"/>
           </a:xfrm>
         </p:spPr>
       </p:pic>
     </p:spTree>
     <p:extLst>
       <p:ext uri="{BB962C8B-B14F-4D97-AF65-F5344CB8AC3E}">
-        <p14:creationId xmlns:p14="http://schemas.microsoft.com/office/powerpoint/2010/main" val="1409959708"/>
+        <p14:creationId xmlns:p14="http://schemas.microsoft.com/office/powerpoint/2010/main" val="2038664370"/>
       </p:ext>
     </p:extLst>
   </p:cSld>
@@ -8271,101 +8267,81 @@
             <p:ph type="title"/>
           </p:nvPr>
         </p:nvSpPr>
-        <p:spPr/>
+        <p:spPr>
+          <a:xfrm>
+            <a:off x="1552045" y="-8467"/>
+            <a:ext cx="10018713" cy="1752599"/>
+          </a:xfrm>
+        </p:spPr>
         <p:txBody>
           <a:bodyPr/>
           <a:lstStyle/>
           <a:p>
             <a:r>
+              <a:rPr lang="en-US" dirty="0"/>
+              <a:t>Java </a:t>
+            </a:r>
+            <a:r>
               <a:rPr lang="en-US" dirty="0" smtClean="0"/>
-              <a:t>Result – STRIPE approach </a:t>
-            </a:r>
-            <a:endParaRPr lang="en-US" dirty="0"/>
-          </a:p>
-        </p:txBody>
-      </p:sp>
-      <p:sp>
-        <p:nvSpPr>
-          <p:cNvPr id="3" name="Content Placeholder 2"/>
-          <p:cNvSpPr>
-            <a:spLocks noGrp="1"/>
-          </p:cNvSpPr>
+              <a:t>code – STRIPE approach</a:t>
+            </a:r>
+            <a:br>
+              <a:rPr lang="en-US" dirty="0" smtClean="0"/>
+            </a:br>
+            <a:r>
+              <a:rPr lang="en-US" dirty="0" smtClean="0"/>
+              <a:t>Reducer 2</a:t>
+            </a:r>
+            <a:endParaRPr lang="en-US" dirty="0"/>
+          </a:p>
+        </p:txBody>
+      </p:sp>
+      <p:pic>
+        <p:nvPicPr>
+          <p:cNvPr id="4" name="Content Placeholder 3"/>
+          <p:cNvPicPr>
+            <a:picLocks noGrp="1" noChangeAspect="1"/>
+          </p:cNvPicPr>
           <p:nvPr>
             <p:ph idx="1"/>
           </p:nvPr>
-        </p:nvSpPr>
-        <p:spPr/>
-        <p:txBody>
-          <a:bodyPr numCol="1">
-            <a:normAutofit/>
-          </a:bodyPr>
-          <a:lstStyle/>
-          <a:p>
-            <a:pPr marL="0" indent="0">
-              <a:buNone/>
-            </a:pPr>
-            <a:r>
-              <a:rPr lang="is-IS" dirty="0"/>
-              <a:t>12	[ (34,0.364), (56,0.182), (79,0.091), (29,0.182), (18,0.091), (92,0.091) ]</a:t>
-            </a:r>
-          </a:p>
-          <a:p>
-            <a:pPr marL="0" indent="0">
-              <a:buNone/>
-            </a:pPr>
-            <a:r>
-              <a:rPr lang="is-IS" dirty="0"/>
-              <a:t>29	[ (12,0.308), (34,0.308), (56,0.154), (79,0.077), (18,0.077), (92,0.077) ]</a:t>
-            </a:r>
-          </a:p>
-          <a:p>
-            <a:pPr marL="0" indent="0">
-              <a:buNone/>
-            </a:pPr>
-            <a:r>
-              <a:rPr lang="is-IS" dirty="0"/>
-              <a:t>34	[ (56,0.250), (12,0.250), (79,0.083), (29,0.250), (18,0.083), (92,0.083) ]</a:t>
-            </a:r>
-          </a:p>
-          <a:p>
-            <a:pPr marL="0" indent="0">
-              <a:buNone/>
-            </a:pPr>
-            <a:r>
-              <a:rPr lang="is-IS" dirty="0"/>
-              <a:t>56	[ (12,0.300), (34,0.300), (29,0.200), (18,0.100), (92,0.100) ]</a:t>
-            </a:r>
-          </a:p>
-          <a:p>
-            <a:pPr marL="0" indent="0">
-              <a:buNone/>
-            </a:pPr>
-            <a:r>
-              <a:rPr lang="is-IS" dirty="0"/>
-              <a:t>79	[ (56,0.200), (12,0.200), (34,0.200), (29,0.200), (18,0.200) ]</a:t>
-            </a:r>
-          </a:p>
-          <a:p>
-            <a:pPr marL="0" indent="0">
-              <a:buNone/>
-            </a:pPr>
-            <a:r>
-              <a:rPr lang="is-IS" dirty="0"/>
-              <a:t>92	[ (34,0.250), (12,0.250), (56,0.083), (79,0.083), (29,0.250), (18,0.083) ]</a:t>
-            </a:r>
-          </a:p>
-        </p:txBody>
-      </p:sp>
+        </p:nvPicPr>
+        <p:blipFill>
+          <a:blip r:embed="rId3">
+            <a:extLst>
+              <a:ext uri="{28A0092B-C50C-407E-A947-70E740481C1C}">
+                <a14:useLocalDpi xmlns:a14="http://schemas.microsoft.com/office/drawing/2010/main" val="0"/>
+              </a:ext>
+            </a:extLst>
+          </a:blip>
+          <a:stretch>
+            <a:fillRect/>
+          </a:stretch>
+        </p:blipFill>
+        <p:spPr>
+          <a:xfrm>
+            <a:off x="1869977" y="2827866"/>
+            <a:ext cx="10022515" cy="2878667"/>
+          </a:xfrm>
+        </p:spPr>
+      </p:pic>
     </p:spTree>
     <p:extLst>
       <p:ext uri="{BB962C8B-B14F-4D97-AF65-F5344CB8AC3E}">
-        <p14:creationId xmlns:p14="http://schemas.microsoft.com/office/powerpoint/2010/main" val="184803526"/>
+        <p14:creationId xmlns:p14="http://schemas.microsoft.com/office/powerpoint/2010/main" val="1409959708"/>
       </p:ext>
     </p:extLst>
   </p:cSld>
   <p:clrMapOvr>
     <a:masterClrMapping/>
   </p:clrMapOvr>
+  <p:timing>
+    <p:tnLst>
+      <p:par>
+        <p:cTn id="1" dur="indefinite" restart="never" nodeType="tmRoot"/>
+      </p:par>
+    </p:tnLst>
+  </p:timing>
 </p:sld>
 </file>
 
@@ -8404,83 +8380,101 @@
             <p:ph type="title"/>
           </p:nvPr>
         </p:nvSpPr>
-        <p:spPr>
-          <a:xfrm>
-            <a:off x="1484311" y="262467"/>
-            <a:ext cx="10018713" cy="1752599"/>
-          </a:xfrm>
-        </p:spPr>
-        <p:txBody>
-          <a:bodyPr>
+        <p:spPr/>
+        <p:txBody>
+          <a:bodyPr/>
+          <a:lstStyle/>
+          <a:p>
+            <a:r>
+              <a:rPr lang="en-US" dirty="0" smtClean="0"/>
+              <a:t>Result – STRIPE approach </a:t>
+            </a:r>
+            <a:endParaRPr lang="en-US" dirty="0"/>
+          </a:p>
+        </p:txBody>
+      </p:sp>
+      <p:sp>
+        <p:nvSpPr>
+          <p:cNvPr id="3" name="Content Placeholder 2"/>
+          <p:cNvSpPr>
+            <a:spLocks noGrp="1"/>
+          </p:cNvSpPr>
+          <p:nvPr>
+            <p:ph idx="1"/>
+          </p:nvPr>
+        </p:nvSpPr>
+        <p:spPr/>
+        <p:txBody>
+          <a:bodyPr numCol="1">
             <a:normAutofit/>
           </a:bodyPr>
           <a:lstStyle/>
           <a:p>
-            <a:r>
-              <a:rPr lang="en-US" dirty="0"/>
-              <a:t>Pseudo </a:t>
-            </a:r>
-            <a:r>
-              <a:rPr lang="en-US" dirty="0" smtClean="0"/>
-              <a:t>code – HYBRID approach</a:t>
-            </a:r>
-            <a:br>
-              <a:rPr lang="en-US" dirty="0" smtClean="0"/>
-            </a:br>
-            <a:r>
-              <a:rPr lang="en-US" dirty="0" smtClean="0"/>
-              <a:t>Mapper</a:t>
-            </a:r>
-            <a:endParaRPr lang="en-US" dirty="0"/>
-          </a:p>
-        </p:txBody>
-      </p:sp>
-      <p:pic>
-        <p:nvPicPr>
-          <p:cNvPr id="4" name="Content Placeholder 3"/>
-          <p:cNvPicPr>
-            <a:picLocks noGrp="1" noChangeAspect="1"/>
-          </p:cNvPicPr>
-          <p:nvPr>
-            <p:ph idx="1"/>
-          </p:nvPr>
-        </p:nvPicPr>
-        <p:blipFill>
-          <a:blip r:embed="rId3">
-            <a:extLst>
-              <a:ext uri="{28A0092B-C50C-407E-A947-70E740481C1C}">
-                <a14:useLocalDpi xmlns:a14="http://schemas.microsoft.com/office/drawing/2010/main" val="0"/>
-              </a:ext>
-            </a:extLst>
-          </a:blip>
-          <a:stretch>
-            <a:fillRect/>
-          </a:stretch>
-        </p:blipFill>
-        <p:spPr>
-          <a:xfrm>
-            <a:off x="3945467" y="1745109"/>
-            <a:ext cx="4961466" cy="4935354"/>
-          </a:xfrm>
-        </p:spPr>
-      </p:pic>
+            <a:pPr marL="0" indent="0">
+              <a:buNone/>
+            </a:pPr>
+            <a:r>
+              <a:rPr lang="is-IS" dirty="0"/>
+              <a:t>12	[ (34,0.364), (56,0.182), (79,0.091), (29,0.182), (18,0.091), (92,0.091) ]</a:t>
+            </a:r>
+          </a:p>
+          <a:p>
+            <a:pPr marL="0" indent="0">
+              <a:buNone/>
+            </a:pPr>
+            <a:r>
+              <a:rPr lang="is-IS" dirty="0"/>
+              <a:t>29	[ (12,0.308), (34,0.308), (56,0.154), (79,0.077), (18,0.077), (92,0.077) ]</a:t>
+            </a:r>
+          </a:p>
+          <a:p>
+            <a:pPr marL="0" indent="0">
+              <a:buNone/>
+            </a:pPr>
+            <a:r>
+              <a:rPr lang="is-IS" dirty="0"/>
+              <a:t>34	[ (56,0.250), (12,0.250), (79,0.083), (29,0.250), (18,0.083), (92,0.083) ]</a:t>
+            </a:r>
+          </a:p>
+          <a:p>
+            <a:pPr marL="0" indent="0">
+              <a:buNone/>
+            </a:pPr>
+            <a:r>
+              <a:rPr lang="is-IS" dirty="0"/>
+              <a:t>56	[ (12,0.300), (34,0.300), (29,0.200), (18,0.100), (92,0.100) ]</a:t>
+            </a:r>
+          </a:p>
+          <a:p>
+            <a:pPr marL="0" indent="0">
+              <a:buNone/>
+            </a:pPr>
+            <a:r>
+              <a:rPr lang="is-IS" dirty="0"/>
+              <a:t>79	[ (56,0.200), (12,0.200), (34,0.200), (29,0.200), (18,0.200) ]</a:t>
+            </a:r>
+          </a:p>
+          <a:p>
+            <a:pPr marL="0" indent="0">
+              <a:buNone/>
+            </a:pPr>
+            <a:r>
+              <a:rPr lang="is-IS" dirty="0"/>
+              <a:t>92	[ (34,0.250), (12,0.250), (56,0.083), (79,0.083), (29,0.250), (18,0.083) ]</a:t>
+            </a:r>
+          </a:p>
+        </p:txBody>
+      </p:sp>
     </p:spTree>
     <p:extLst>
       <p:ext uri="{BB962C8B-B14F-4D97-AF65-F5344CB8AC3E}">
-        <p14:creationId xmlns:p14="http://schemas.microsoft.com/office/powerpoint/2010/main" val="1470503465"/>
+        <p14:creationId xmlns:p14="http://schemas.microsoft.com/office/powerpoint/2010/main" val="184803526"/>
       </p:ext>
     </p:extLst>
   </p:cSld>
   <p:clrMapOvr>
     <a:masterClrMapping/>
   </p:clrMapOvr>
-  <p:timing>
-    <p:tnLst>
-      <p:par>
-        <p:cTn id="1" dur="indefinite" restart="never" nodeType="tmRoot"/>
-      </p:par>
-    </p:tnLst>
-  </p:timing>
 </p:sld>
 </file>
 
@@ -8521,17 +8515,19 @@
         </p:nvSpPr>
         <p:spPr>
           <a:xfrm>
-            <a:off x="1501245" y="-270933"/>
+            <a:off x="1484311" y="262467"/>
             <a:ext cx="10018713" cy="1752599"/>
           </a:xfrm>
         </p:spPr>
         <p:txBody>
-          <a:bodyPr/>
+          <a:bodyPr>
+            <a:normAutofit/>
+          </a:bodyPr>
           <a:lstStyle/>
           <a:p>
             <a:r>
               <a:rPr lang="en-US" dirty="0"/>
-              <a:t>Java </a:t>
+              <a:t>Pseudo </a:t>
             </a:r>
             <a:r>
               <a:rPr lang="en-US" dirty="0" smtClean="0"/>
@@ -8542,7 +8538,7 @@
             </a:br>
             <a:r>
               <a:rPr lang="en-US" dirty="0" smtClean="0"/>
-              <a:t>Mapper </a:t>
+              <a:t>Mapper</a:t>
             </a:r>
             <a:endParaRPr lang="en-US" dirty="0"/>
           </a:p>
@@ -8572,15 +8568,15 @@
         </p:blipFill>
         <p:spPr>
           <a:xfrm>
-            <a:off x="2746738" y="1481666"/>
-            <a:ext cx="7527726" cy="5196559"/>
+            <a:off x="3945467" y="1745109"/>
+            <a:ext cx="4961466" cy="4935354"/>
           </a:xfrm>
         </p:spPr>
       </p:pic>
     </p:spTree>
     <p:extLst>
       <p:ext uri="{BB962C8B-B14F-4D97-AF65-F5344CB8AC3E}">
-        <p14:creationId xmlns:p14="http://schemas.microsoft.com/office/powerpoint/2010/main" val="552473416"/>
+        <p14:creationId xmlns:p14="http://schemas.microsoft.com/office/powerpoint/2010/main" val="1470503465"/>
       </p:ext>
     </p:extLst>
   </p:cSld>
@@ -8634,7 +8630,7 @@
         </p:nvSpPr>
         <p:spPr>
           <a:xfrm>
-            <a:off x="1484309" y="-169333"/>
+            <a:off x="1501245" y="-270933"/>
             <a:ext cx="10018713" cy="1752599"/>
           </a:xfrm>
         </p:spPr>
@@ -8644,22 +8640,18 @@
           <a:p>
             <a:r>
               <a:rPr lang="en-US" dirty="0"/>
-              <a:t>Pseudo code </a:t>
+              <a:t>Java </a:t>
             </a:r>
             <a:r>
               <a:rPr lang="en-US" dirty="0" smtClean="0"/>
-              <a:t>– HYBRID approach</a:t>
-            </a:r>
-            <a:r>
-              <a:rPr lang="en-US" dirty="0"/>
-              <a:t/>
+              <a:t>code – HYBRID approach</a:t>
             </a:r>
             <a:br>
-              <a:rPr lang="en-US" dirty="0"/>
+              <a:rPr lang="en-US" dirty="0" smtClean="0"/>
             </a:br>
             <a:r>
               <a:rPr lang="en-US" dirty="0" smtClean="0"/>
-              <a:t>Reducer</a:t>
+              <a:t>Mapper </a:t>
             </a:r>
             <a:endParaRPr lang="en-US" dirty="0"/>
           </a:p>
@@ -8689,15 +8681,15 @@
         </p:blipFill>
         <p:spPr>
           <a:xfrm>
-            <a:off x="4233333" y="1234514"/>
-            <a:ext cx="4148667" cy="5496324"/>
+            <a:off x="2746738" y="1481666"/>
+            <a:ext cx="7527726" cy="5196559"/>
           </a:xfrm>
         </p:spPr>
       </p:pic>
     </p:spTree>
     <p:extLst>
       <p:ext uri="{BB962C8B-B14F-4D97-AF65-F5344CB8AC3E}">
-        <p14:creationId xmlns:p14="http://schemas.microsoft.com/office/powerpoint/2010/main" val="188213258"/>
+        <p14:creationId xmlns:p14="http://schemas.microsoft.com/office/powerpoint/2010/main" val="552473416"/>
       </p:ext>
     </p:extLst>
   </p:cSld>
@@ -8751,7 +8743,7 @@
         </p:nvSpPr>
         <p:spPr>
           <a:xfrm>
-            <a:off x="1552045" y="-8467"/>
+            <a:off x="1484309" y="-169333"/>
             <a:ext cx="10018713" cy="1752599"/>
           </a:xfrm>
         </p:spPr>
@@ -8761,18 +8753,22 @@
           <a:p>
             <a:r>
               <a:rPr lang="en-US" dirty="0"/>
-              <a:t>Java </a:t>
+              <a:t>Pseudo code </a:t>
             </a:r>
             <a:r>
               <a:rPr lang="en-US" dirty="0" smtClean="0"/>
-              <a:t>code – HYBRID approach</a:t>
+              <a:t>– HYBRID approach</a:t>
+            </a:r>
+            <a:r>
+              <a:rPr lang="en-US" dirty="0"/>
+              <a:t/>
             </a:r>
             <a:br>
+              <a:rPr lang="en-US" dirty="0"/>
+            </a:br>
+            <a:r>
               <a:rPr lang="en-US" dirty="0" smtClean="0"/>
-            </a:br>
-            <a:r>
-              <a:rPr lang="en-US" dirty="0" smtClean="0"/>
-              <a:t>Reducer 1</a:t>
+              <a:t>Reducer</a:t>
             </a:r>
             <a:endParaRPr lang="en-US" dirty="0"/>
           </a:p>
@@ -8802,15 +8798,15 @@
         </p:blipFill>
         <p:spPr>
           <a:xfrm>
-            <a:off x="3166533" y="1345767"/>
-            <a:ext cx="7044265" cy="5391239"/>
+            <a:off x="4233333" y="1234514"/>
+            <a:ext cx="4148667" cy="5496324"/>
           </a:xfrm>
         </p:spPr>
       </p:pic>
     </p:spTree>
     <p:extLst>
       <p:ext uri="{BB962C8B-B14F-4D97-AF65-F5344CB8AC3E}">
-        <p14:creationId xmlns:p14="http://schemas.microsoft.com/office/powerpoint/2010/main" val="1884167637"/>
+        <p14:creationId xmlns:p14="http://schemas.microsoft.com/office/powerpoint/2010/main" val="188213258"/>
       </p:ext>
     </p:extLst>
   </p:cSld>
@@ -8878,14 +8874,14 @@
             </a:r>
             <a:r>
               <a:rPr lang="en-US" dirty="0" smtClean="0"/>
-              <a:t>code – STRIPE approach</a:t>
+              <a:t>code – HYBRID approach</a:t>
             </a:r>
             <a:br>
               <a:rPr lang="en-US" dirty="0" smtClean="0"/>
             </a:br>
             <a:r>
               <a:rPr lang="en-US" dirty="0" smtClean="0"/>
-              <a:t>Reducer 2</a:t>
+              <a:t>Reducer 1</a:t>
             </a:r>
             <a:endParaRPr lang="en-US" dirty="0"/>
           </a:p>
@@ -8893,7 +8889,7 @@
       </p:sp>
       <p:pic>
         <p:nvPicPr>
-          <p:cNvPr id="5" name="Content Placeholder 4"/>
+          <p:cNvPr id="4" name="Content Placeholder 3"/>
           <p:cNvPicPr>
             <a:picLocks noGrp="1" noChangeAspect="1"/>
           </p:cNvPicPr>
@@ -8915,15 +8911,15 @@
         </p:blipFill>
         <p:spPr>
           <a:xfrm>
-            <a:off x="2683013" y="1600661"/>
-            <a:ext cx="7756776" cy="4884805"/>
+            <a:off x="3166533" y="1345767"/>
+            <a:ext cx="7044265" cy="5391239"/>
           </a:xfrm>
         </p:spPr>
       </p:pic>
     </p:spTree>
     <p:extLst>
       <p:ext uri="{BB962C8B-B14F-4D97-AF65-F5344CB8AC3E}">
-        <p14:creationId xmlns:p14="http://schemas.microsoft.com/office/powerpoint/2010/main" val="201305624"/>
+        <p14:creationId xmlns:p14="http://schemas.microsoft.com/office/powerpoint/2010/main" val="1884167637"/>
       </p:ext>
     </p:extLst>
   </p:cSld>
@@ -8975,107 +8971,81 @@
             <p:ph type="title"/>
           </p:nvPr>
         </p:nvSpPr>
-        <p:spPr/>
+        <p:spPr>
+          <a:xfrm>
+            <a:off x="1552045" y="-8467"/>
+            <a:ext cx="10018713" cy="1752599"/>
+          </a:xfrm>
+        </p:spPr>
         <p:txBody>
           <a:bodyPr/>
           <a:lstStyle/>
           <a:p>
             <a:r>
+              <a:rPr lang="en-US" dirty="0"/>
+              <a:t>Java </a:t>
+            </a:r>
+            <a:r>
               <a:rPr lang="en-US" dirty="0" smtClean="0"/>
-              <a:t>Result – HYBRID approach </a:t>
-            </a:r>
-            <a:endParaRPr lang="en-US" dirty="0"/>
-          </a:p>
-        </p:txBody>
-      </p:sp>
-      <p:sp>
-        <p:nvSpPr>
-          <p:cNvPr id="3" name="Content Placeholder 2"/>
-          <p:cNvSpPr>
-            <a:spLocks noGrp="1"/>
-          </p:cNvSpPr>
+              <a:t>code – STRIPE approach</a:t>
+            </a:r>
+            <a:br>
+              <a:rPr lang="en-US" dirty="0" smtClean="0"/>
+            </a:br>
+            <a:r>
+              <a:rPr lang="en-US" dirty="0" smtClean="0"/>
+              <a:t>Reducer 2</a:t>
+            </a:r>
+            <a:endParaRPr lang="en-US" dirty="0"/>
+          </a:p>
+        </p:txBody>
+      </p:sp>
+      <p:pic>
+        <p:nvPicPr>
+          <p:cNvPr id="5" name="Content Placeholder 4"/>
+          <p:cNvPicPr>
+            <a:picLocks noGrp="1" noChangeAspect="1"/>
+          </p:cNvPicPr>
           <p:nvPr>
             <p:ph idx="1"/>
           </p:nvPr>
-        </p:nvSpPr>
-        <p:spPr/>
-        <p:txBody>
-          <a:bodyPr numCol="1">
-            <a:normAutofit/>
-          </a:bodyPr>
-          <a:lstStyle/>
-          <a:p>
-            <a:pPr marL="0" indent="0">
-              <a:buNone/>
-            </a:pPr>
-            <a:r>
-              <a:rPr lang="is-IS" dirty="0"/>
-              <a:t>12	[ (34,0.364), (56,0.182), (79,0.091), (18,0.091), (29,0.182), (92,0.091) ]</a:t>
-            </a:r>
-          </a:p>
-          <a:p>
-            <a:pPr marL="0" indent="0">
-              <a:buNone/>
-            </a:pPr>
-            <a:r>
-              <a:rPr lang="is-IS" dirty="0"/>
-              <a:t>29	[ (12,0.308), (34,0.308), (56,0.154), (79,0.077), (18,0.077), (92,0.077) ]</a:t>
-            </a:r>
-          </a:p>
-          <a:p>
-            <a:pPr marL="0" indent="0">
-              <a:buNone/>
-            </a:pPr>
-            <a:r>
-              <a:rPr lang="is-IS" dirty="0"/>
-              <a:t>34	[ (12,0.250), (56,0.250), (79,0.083), (18,0.083), (29,0.250), (92,0.083) ]</a:t>
-            </a:r>
-          </a:p>
-          <a:p>
-            <a:pPr marL="0" indent="0">
-              <a:buNone/>
-            </a:pPr>
-            <a:r>
-              <a:rPr lang="is-IS" dirty="0"/>
-              <a:t>56	[ (12,0.300), (34,0.300), (18,0.100), (29,0.200), (92,0.100) ]</a:t>
-            </a:r>
-          </a:p>
-          <a:p>
-            <a:pPr marL="0" indent="0">
-              <a:buNone/>
-            </a:pPr>
-            <a:r>
-              <a:rPr lang="is-IS" dirty="0"/>
-              <a:t>79	[ (12,0.200), (34,0.200), (56,0.200), (18,0.200), (29,0.200) ]</a:t>
-            </a:r>
-          </a:p>
-          <a:p>
-            <a:pPr marL="0" indent="0">
-              <a:buNone/>
-            </a:pPr>
-            <a:r>
-              <a:rPr lang="is-IS" dirty="0"/>
-              <a:t>92	[ (12,0.250), (34,0.250), (56,0.083), (79,0.083), (18,0.083), (29,0.250) ]</a:t>
-            </a:r>
-          </a:p>
-          <a:p>
-            <a:pPr marL="0" indent="0">
-              <a:buNone/>
-            </a:pPr>
-            <a:endParaRPr lang="is-IS" dirty="0"/>
-          </a:p>
-        </p:txBody>
-      </p:sp>
+        </p:nvPicPr>
+        <p:blipFill>
+          <a:blip r:embed="rId3">
+            <a:extLst>
+              <a:ext uri="{28A0092B-C50C-407E-A947-70E740481C1C}">
+                <a14:useLocalDpi xmlns:a14="http://schemas.microsoft.com/office/drawing/2010/main" val="0"/>
+              </a:ext>
+            </a:extLst>
+          </a:blip>
+          <a:stretch>
+            <a:fillRect/>
+          </a:stretch>
+        </p:blipFill>
+        <p:spPr>
+          <a:xfrm>
+            <a:off x="2683013" y="1600661"/>
+            <a:ext cx="7756776" cy="4884805"/>
+          </a:xfrm>
+        </p:spPr>
+      </p:pic>
     </p:spTree>
     <p:extLst>
       <p:ext uri="{BB962C8B-B14F-4D97-AF65-F5344CB8AC3E}">
-        <p14:creationId xmlns:p14="http://schemas.microsoft.com/office/powerpoint/2010/main" val="776532036"/>
+        <p14:creationId xmlns:p14="http://schemas.microsoft.com/office/powerpoint/2010/main" val="201305624"/>
       </p:ext>
     </p:extLst>
   </p:cSld>
   <p:clrMapOvr>
     <a:masterClrMapping/>
   </p:clrMapOvr>
+  <p:timing>
+    <p:tnLst>
+      <p:par>
+        <p:cTn id="1" dur="indefinite" restart="never" nodeType="tmRoot"/>
+      </p:par>
+    </p:tnLst>
+  </p:timing>
 </p:sld>
 </file>
 
@@ -9114,57 +9084,101 @@
             <p:ph type="title"/>
           </p:nvPr>
         </p:nvSpPr>
-        <p:spPr>
-          <a:xfrm>
-            <a:off x="1526909" y="0"/>
-            <a:ext cx="10018713" cy="1752599"/>
-          </a:xfrm>
-        </p:spPr>
+        <p:spPr/>
         <p:txBody>
           <a:bodyPr/>
           <a:lstStyle/>
           <a:p>
             <a:r>
               <a:rPr lang="en-US" dirty="0" smtClean="0"/>
-              <a:t>Comparison</a:t>
-            </a:r>
-            <a:endParaRPr lang="en-US" dirty="0"/>
-          </a:p>
-        </p:txBody>
-      </p:sp>
-      <p:pic>
-        <p:nvPicPr>
-          <p:cNvPr id="5" name="Content Placeholder 4"/>
-          <p:cNvPicPr>
-            <a:picLocks noGrp="1" noChangeAspect="1"/>
-          </p:cNvPicPr>
+              <a:t>Result – HYBRID approach </a:t>
+            </a:r>
+            <a:endParaRPr lang="en-US" dirty="0"/>
+          </a:p>
+        </p:txBody>
+      </p:sp>
+      <p:sp>
+        <p:nvSpPr>
+          <p:cNvPr id="3" name="Content Placeholder 2"/>
+          <p:cNvSpPr>
+            <a:spLocks noGrp="1"/>
+          </p:cNvSpPr>
           <p:nvPr>
             <p:ph idx="1"/>
           </p:nvPr>
-        </p:nvPicPr>
-        <p:blipFill>
-          <a:blip r:embed="rId2">
-            <a:extLst>
-              <a:ext uri="{28A0092B-C50C-407E-A947-70E740481C1C}">
-                <a14:useLocalDpi xmlns:a14="http://schemas.microsoft.com/office/drawing/2010/main" val="0"/>
-              </a:ext>
-            </a:extLst>
-          </a:blip>
-          <a:stretch>
-            <a:fillRect/>
-          </a:stretch>
-        </p:blipFill>
-        <p:spPr>
-          <a:xfrm>
-            <a:off x="2673428" y="1354666"/>
-            <a:ext cx="7725673" cy="5325095"/>
-          </a:xfrm>
-        </p:spPr>
-      </p:pic>
+        </p:nvSpPr>
+        <p:spPr/>
+        <p:txBody>
+          <a:bodyPr numCol="1">
+            <a:normAutofit/>
+          </a:bodyPr>
+          <a:lstStyle/>
+          <a:p>
+            <a:pPr marL="0" indent="0">
+              <a:buNone/>
+            </a:pPr>
+            <a:r>
+              <a:rPr lang="is-IS" dirty="0"/>
+              <a:t>12	[ (34,0.364), (56,0.182), (79,0.091), (18,0.091), (29,0.182), (92,0.091) ]</a:t>
+            </a:r>
+          </a:p>
+          <a:p>
+            <a:pPr marL="0" indent="0">
+              <a:buNone/>
+            </a:pPr>
+            <a:r>
+              <a:rPr lang="is-IS" dirty="0"/>
+              <a:t>29	[ (12,0.308), (34,0.308), (56,0.154), (79,0.077), (18,0.077), (92,0.077) ]</a:t>
+            </a:r>
+          </a:p>
+          <a:p>
+            <a:pPr marL="0" indent="0">
+              <a:buNone/>
+            </a:pPr>
+            <a:r>
+              <a:rPr lang="is-IS" dirty="0"/>
+              <a:t>34	[ (12,0.250), (56,0.250), (79,0.083), (18,0.083), (29,0.250), (92,0.083) ]</a:t>
+            </a:r>
+          </a:p>
+          <a:p>
+            <a:pPr marL="0" indent="0">
+              <a:buNone/>
+            </a:pPr>
+            <a:r>
+              <a:rPr lang="is-IS" dirty="0"/>
+              <a:t>56	[ (12,0.300), (34,0.300), (18,0.100), (29,0.200), (92,0.100) ]</a:t>
+            </a:r>
+          </a:p>
+          <a:p>
+            <a:pPr marL="0" indent="0">
+              <a:buNone/>
+            </a:pPr>
+            <a:r>
+              <a:rPr lang="is-IS" dirty="0"/>
+              <a:t>79	[ (12,0.200), (34,0.200), (56,0.200), (18,0.200), (29,0.200) ]</a:t>
+            </a:r>
+          </a:p>
+          <a:p>
+            <a:pPr marL="0" indent="0">
+              <a:buNone/>
+            </a:pPr>
+            <a:r>
+              <a:rPr lang="is-IS" dirty="0"/>
+              <a:t>92	[ (12,0.250), (34,0.250), (56,0.083), (79,0.083), (18,0.083), (29,0.250) ]</a:t>
+            </a:r>
+          </a:p>
+          <a:p>
+            <a:pPr marL="0" indent="0">
+              <a:buNone/>
+            </a:pPr>
+            <a:endParaRPr lang="is-IS" dirty="0"/>
+          </a:p>
+        </p:txBody>
+      </p:sp>
     </p:spTree>
     <p:extLst>
       <p:ext uri="{BB962C8B-B14F-4D97-AF65-F5344CB8AC3E}">
-        <p14:creationId xmlns:p14="http://schemas.microsoft.com/office/powerpoint/2010/main" val="1371499336"/>
+        <p14:creationId xmlns:p14="http://schemas.microsoft.com/office/powerpoint/2010/main" val="776532036"/>
       </p:ext>
     </p:extLst>
   </p:cSld>
@@ -9279,6 +9293,101 @@
       </p:par>
     </p:tnLst>
   </p:timing>
+</p:sld>
+</file>
+
+<file path=ppt/slides/slide20.xml><?xml version="1.0" encoding="utf-8"?>
+<p:sld xmlns:a="http://schemas.openxmlformats.org/drawingml/2006/main" xmlns:r="http://schemas.openxmlformats.org/officeDocument/2006/relationships" xmlns:p="http://schemas.openxmlformats.org/presentationml/2006/main">
+  <p:cSld>
+    <p:bg>
+      <p:bgPr>
+        <a:solidFill>
+          <a:schemeClr val="bg1"/>
+        </a:solidFill>
+        <a:effectLst/>
+      </p:bgPr>
+    </p:bg>
+    <p:spTree>
+      <p:nvGrpSpPr>
+        <p:cNvPr id="1" name=""/>
+        <p:cNvGrpSpPr/>
+        <p:nvPr/>
+      </p:nvGrpSpPr>
+      <p:grpSpPr>
+        <a:xfrm>
+          <a:off x="0" y="0"/>
+          <a:ext cx="0" cy="0"/>
+          <a:chOff x="0" y="0"/>
+          <a:chExt cx="0" cy="0"/>
+        </a:xfrm>
+      </p:grpSpPr>
+      <p:sp>
+        <p:nvSpPr>
+          <p:cNvPr id="2" name="Title 1"/>
+          <p:cNvSpPr>
+            <a:spLocks noGrp="1"/>
+          </p:cNvSpPr>
+          <p:nvPr>
+            <p:ph type="title"/>
+          </p:nvPr>
+        </p:nvSpPr>
+        <p:spPr>
+          <a:xfrm>
+            <a:off x="1526909" y="0"/>
+            <a:ext cx="10018713" cy="1752599"/>
+          </a:xfrm>
+        </p:spPr>
+        <p:txBody>
+          <a:bodyPr/>
+          <a:lstStyle/>
+          <a:p>
+            <a:r>
+              <a:rPr lang="en-US" dirty="0" smtClean="0"/>
+              <a:t>Comparison</a:t>
+            </a:r>
+            <a:endParaRPr lang="en-US" dirty="0"/>
+          </a:p>
+        </p:txBody>
+      </p:sp>
+      <p:pic>
+        <p:nvPicPr>
+          <p:cNvPr id="5" name="Content Placeholder 4"/>
+          <p:cNvPicPr>
+            <a:picLocks noGrp="1" noChangeAspect="1"/>
+          </p:cNvPicPr>
+          <p:nvPr>
+            <p:ph idx="1"/>
+          </p:nvPr>
+        </p:nvPicPr>
+        <p:blipFill>
+          <a:blip r:embed="rId2">
+            <a:extLst>
+              <a:ext uri="{28A0092B-C50C-407E-A947-70E740481C1C}">
+                <a14:useLocalDpi xmlns:a14="http://schemas.microsoft.com/office/drawing/2010/main" val="0"/>
+              </a:ext>
+            </a:extLst>
+          </a:blip>
+          <a:stretch>
+            <a:fillRect/>
+          </a:stretch>
+        </p:blipFill>
+        <p:spPr>
+          <a:xfrm>
+            <a:off x="2673428" y="1354666"/>
+            <a:ext cx="7725673" cy="5325095"/>
+          </a:xfrm>
+        </p:spPr>
+      </p:pic>
+    </p:spTree>
+    <p:extLst>
+      <p:ext uri="{BB962C8B-B14F-4D97-AF65-F5344CB8AC3E}">
+        <p14:creationId xmlns:p14="http://schemas.microsoft.com/office/powerpoint/2010/main" val="1371499336"/>
+      </p:ext>
+    </p:extLst>
+  </p:cSld>
+  <p:clrMapOvr>
+    <a:masterClrMapping/>
+  </p:clrMapOvr>
 </p:sld>
 </file>
 
@@ -9654,12 +9763,9 @@
           <a:p>
             <a:r>
               <a:rPr lang="en-US" dirty="0" smtClean="0"/>
-              <a:t>Result - PAIR </a:t>
-            </a:r>
-            <a:r>
-              <a:rPr lang="en-US" dirty="0"/>
-              <a:t>approach </a:t>
-            </a:r>
+              <a:t>Input</a:t>
+            </a:r>
+            <a:endParaRPr lang="en-US" dirty="0"/>
           </a:p>
         </p:txBody>
       </p:sp>
@@ -9673,349 +9779,35 @@
             <p:ph idx="1"/>
           </p:nvPr>
         </p:nvSpPr>
-        <p:spPr>
-          <a:xfrm>
-            <a:off x="1964267" y="2438399"/>
-            <a:ext cx="9538756" cy="3352801"/>
-          </a:xfrm>
-        </p:spPr>
-        <p:txBody>
-          <a:bodyPr numCol="3">
-            <a:noAutofit/>
-          </a:bodyPr>
-          <a:lstStyle/>
-          <a:p>
-            <a:pPr marL="1257300" lvl="3" indent="0">
+        <p:spPr/>
+        <p:txBody>
+          <a:bodyPr/>
+          <a:lstStyle/>
+          <a:p>
+            <a:pPr marL="0" indent="0" algn="ctr">
               <a:buNone/>
             </a:pPr>
             <a:r>
-              <a:rPr lang="is-IS" sz="1400" dirty="0"/>
-              <a:t>(12, 18)	0.091</a:t>
-            </a:r>
-          </a:p>
-          <a:p>
-            <a:pPr marL="1257300" lvl="3" indent="0">
+              <a:rPr lang="de-DE" dirty="0"/>
+              <a:t>34 56 29 12 34 56 92 29 34 12</a:t>
+            </a:r>
+          </a:p>
+          <a:p>
+            <a:pPr marL="0" indent="0" algn="ctr">
               <a:buNone/>
             </a:pPr>
             <a:r>
-              <a:rPr lang="is-IS" sz="1400" dirty="0"/>
-              <a:t>(12, 29)	0.182</a:t>
-            </a:r>
-          </a:p>
-          <a:p>
-            <a:pPr marL="1257300" lvl="3" indent="0">
-              <a:buNone/>
-            </a:pPr>
-            <a:r>
-              <a:rPr lang="is-IS" sz="1400" dirty="0"/>
-              <a:t>(12, 34)	0.364</a:t>
-            </a:r>
-          </a:p>
-          <a:p>
-            <a:pPr marL="1257300" lvl="3" indent="0">
-              <a:buNone/>
-            </a:pPr>
-            <a:r>
-              <a:rPr lang="is-IS" sz="1400" dirty="0"/>
-              <a:t>(12, 56)	0.182</a:t>
-            </a:r>
-          </a:p>
-          <a:p>
-            <a:pPr marL="1257300" lvl="3" indent="0">
-              <a:buNone/>
-            </a:pPr>
-            <a:r>
-              <a:rPr lang="is-IS" sz="1400" dirty="0"/>
-              <a:t>(12, 79)	0.091</a:t>
-            </a:r>
-          </a:p>
-          <a:p>
-            <a:pPr marL="1257300" lvl="3" indent="0">
-              <a:buNone/>
-            </a:pPr>
-            <a:r>
-              <a:rPr lang="is-IS" sz="1400" dirty="0"/>
-              <a:t>(12, 92)	0.091</a:t>
-            </a:r>
-          </a:p>
-          <a:p>
-            <a:pPr marL="1257300" lvl="3" indent="0">
-              <a:buNone/>
-            </a:pPr>
-            <a:r>
-              <a:rPr lang="is-IS" sz="1400" dirty="0"/>
-              <a:t>(29, 12)	0.308</a:t>
-            </a:r>
-          </a:p>
-          <a:p>
-            <a:pPr marL="1257300" lvl="3" indent="0">
-              <a:buNone/>
-            </a:pPr>
-            <a:r>
-              <a:rPr lang="is-IS" sz="1400" dirty="0"/>
-              <a:t>(29, 18)	0.077</a:t>
-            </a:r>
-          </a:p>
-          <a:p>
-            <a:pPr marL="1257300" lvl="3" indent="0">
-              <a:buNone/>
-            </a:pPr>
-            <a:r>
-              <a:rPr lang="is-IS" sz="1400" dirty="0"/>
-              <a:t>(29, 34)	0.308</a:t>
-            </a:r>
-          </a:p>
-          <a:p>
-            <a:pPr marL="1257300" lvl="3" indent="0">
-              <a:buNone/>
-            </a:pPr>
-            <a:r>
-              <a:rPr lang="is-IS" sz="1400" dirty="0"/>
-              <a:t>(29, 56)	0.154</a:t>
-            </a:r>
-          </a:p>
-          <a:p>
-            <a:pPr marL="1257300" lvl="3" indent="0">
-              <a:buNone/>
-            </a:pPr>
-            <a:r>
-              <a:rPr lang="is-IS" sz="1400" dirty="0"/>
-              <a:t>(29, 79)	</a:t>
-            </a:r>
-            <a:r>
-              <a:rPr lang="is-IS" sz="1400" dirty="0" smtClean="0"/>
-              <a:t>0.077</a:t>
-            </a:r>
-          </a:p>
-          <a:p>
-            <a:pPr marL="1257300" lvl="3" indent="0">
-              <a:buNone/>
-            </a:pPr>
-            <a:endParaRPr lang="is-IS" sz="1400" dirty="0"/>
-          </a:p>
-          <a:p>
-            <a:pPr marL="1257300" lvl="3" indent="0">
-              <a:buNone/>
-            </a:pPr>
-            <a:r>
-              <a:rPr lang="is-IS" sz="1400" dirty="0"/>
-              <a:t>(29, 92)	0.077</a:t>
-            </a:r>
-          </a:p>
-          <a:p>
-            <a:pPr marL="1257300" lvl="3" indent="0">
-              <a:buNone/>
-            </a:pPr>
-            <a:r>
-              <a:rPr lang="is-IS" sz="1400" dirty="0"/>
-              <a:t>(34, 12)	0.25</a:t>
-            </a:r>
-          </a:p>
-          <a:p>
-            <a:pPr marL="1257300" lvl="3" indent="0">
-              <a:buNone/>
-            </a:pPr>
-            <a:r>
-              <a:rPr lang="is-IS" sz="1400" dirty="0"/>
-              <a:t>(34, 18)	0.083</a:t>
-            </a:r>
-          </a:p>
-          <a:p>
-            <a:pPr marL="1257300" lvl="3" indent="0">
-              <a:buNone/>
-            </a:pPr>
-            <a:r>
-              <a:rPr lang="is-IS" sz="1400" dirty="0"/>
-              <a:t>(34, 29)	0.25</a:t>
-            </a:r>
-          </a:p>
-          <a:p>
-            <a:pPr marL="1257300" lvl="3" indent="0">
-              <a:buNone/>
-            </a:pPr>
-            <a:r>
-              <a:rPr lang="is-IS" sz="1400" dirty="0"/>
-              <a:t>(34, 56)	0.25</a:t>
-            </a:r>
-          </a:p>
-          <a:p>
-            <a:pPr marL="1257300" lvl="3" indent="0">
-              <a:buNone/>
-            </a:pPr>
-            <a:r>
-              <a:rPr lang="is-IS" sz="1400" dirty="0"/>
-              <a:t>(34, 79)	0.083</a:t>
-            </a:r>
-          </a:p>
-          <a:p>
-            <a:pPr marL="1257300" lvl="3" indent="0">
-              <a:buNone/>
-            </a:pPr>
-            <a:r>
-              <a:rPr lang="is-IS" sz="1400" dirty="0"/>
-              <a:t>(34, 92)	0.083</a:t>
-            </a:r>
-          </a:p>
-          <a:p>
-            <a:pPr marL="1257300" lvl="3" indent="0">
-              <a:buNone/>
-            </a:pPr>
-            <a:r>
-              <a:rPr lang="cs-CZ" sz="1400" dirty="0"/>
-              <a:t>(56, 12)	0.3</a:t>
-            </a:r>
-          </a:p>
-          <a:p>
-            <a:pPr marL="1257300" lvl="3" indent="0">
-              <a:buNone/>
-            </a:pPr>
-            <a:r>
-              <a:rPr lang="cs-CZ" sz="1400" dirty="0"/>
-              <a:t>(56, 18)	0.1</a:t>
-            </a:r>
-          </a:p>
-          <a:p>
-            <a:pPr marL="1257300" lvl="3" indent="0">
-              <a:buNone/>
-            </a:pPr>
-            <a:r>
-              <a:rPr lang="is-IS" sz="1400" dirty="0"/>
-              <a:t>(56, 29)	0.2</a:t>
-            </a:r>
-          </a:p>
-          <a:p>
-            <a:pPr marL="1257300" lvl="3" indent="0">
-              <a:buNone/>
-            </a:pPr>
-            <a:r>
-              <a:rPr lang="it-IT" sz="1400" dirty="0"/>
-              <a:t>(56, 34)	</a:t>
-            </a:r>
-            <a:r>
-              <a:rPr lang="it-IT" sz="1400" dirty="0" smtClean="0"/>
-              <a:t>0.3</a:t>
-            </a:r>
-          </a:p>
-          <a:p>
-            <a:pPr marL="1257300" lvl="3" indent="0">
-              <a:buNone/>
-            </a:pPr>
-            <a:endParaRPr lang="it-IT" sz="1400" dirty="0"/>
-          </a:p>
-          <a:p>
-            <a:pPr marL="1257300" lvl="3" indent="0">
-              <a:buNone/>
-            </a:pPr>
-            <a:r>
-              <a:rPr lang="is-IS" sz="1400" dirty="0"/>
-              <a:t>(56, 92)	0.1</a:t>
-            </a:r>
-          </a:p>
-          <a:p>
-            <a:pPr marL="1257300" lvl="3" indent="0">
-              <a:buNone/>
-            </a:pPr>
-            <a:r>
-              <a:rPr lang="cs-CZ" sz="1400" dirty="0"/>
-              <a:t>(79, 12)	0.2</a:t>
-            </a:r>
-          </a:p>
-          <a:p>
-            <a:pPr marL="1257300" lvl="3" indent="0">
-              <a:buNone/>
-            </a:pPr>
-            <a:r>
-              <a:rPr lang="cs-CZ" sz="1400" dirty="0"/>
-              <a:t>(79, 18)	0.2</a:t>
-            </a:r>
-          </a:p>
-          <a:p>
-            <a:pPr marL="1257300" lvl="3" indent="0">
-              <a:buNone/>
-            </a:pPr>
-            <a:r>
-              <a:rPr lang="is-IS" sz="1400" dirty="0"/>
-              <a:t>(79, 29)	0.2</a:t>
-            </a:r>
-          </a:p>
-          <a:p>
-            <a:pPr marL="1257300" lvl="3" indent="0">
-              <a:buNone/>
-            </a:pPr>
-            <a:r>
-              <a:rPr lang="is-IS" sz="1400" dirty="0"/>
-              <a:t>(79, 34)	0.2</a:t>
-            </a:r>
-          </a:p>
-          <a:p>
-            <a:pPr marL="1257300" lvl="3" indent="0">
-              <a:buNone/>
-            </a:pPr>
-            <a:r>
-              <a:rPr lang="is-IS" sz="1400" dirty="0"/>
-              <a:t>(79, 56)	0.2</a:t>
-            </a:r>
-          </a:p>
-          <a:p>
-            <a:pPr marL="1257300" lvl="3" indent="0">
-              <a:buNone/>
-            </a:pPr>
-            <a:r>
-              <a:rPr lang="is-IS" sz="1400" dirty="0"/>
-              <a:t>(92, 12)	0.25</a:t>
-            </a:r>
-          </a:p>
-          <a:p>
-            <a:pPr marL="1257300" lvl="3" indent="0">
-              <a:buNone/>
-            </a:pPr>
-            <a:r>
-              <a:rPr lang="is-IS" sz="1400" dirty="0"/>
-              <a:t>(92, 18)	0.083</a:t>
-            </a:r>
-          </a:p>
-          <a:p>
-            <a:pPr marL="1257300" lvl="3" indent="0">
-              <a:buNone/>
-            </a:pPr>
-            <a:r>
-              <a:rPr lang="is-IS" sz="1400" dirty="0"/>
-              <a:t>(92, 29)	0.25</a:t>
-            </a:r>
-          </a:p>
-          <a:p>
-            <a:pPr marL="1257300" lvl="3" indent="0">
-              <a:buNone/>
-            </a:pPr>
-            <a:r>
-              <a:rPr lang="is-IS" sz="1400" dirty="0"/>
-              <a:t>(92, 34)	0.25</a:t>
-            </a:r>
-          </a:p>
-          <a:p>
-            <a:pPr marL="1257300" lvl="3" indent="0">
-              <a:buNone/>
-            </a:pPr>
-            <a:r>
-              <a:rPr lang="is-IS" sz="1400" dirty="0"/>
-              <a:t>(92, 56)	0.083</a:t>
-            </a:r>
-          </a:p>
-          <a:p>
-            <a:pPr marL="1257300" lvl="3" indent="0">
-              <a:buNone/>
-            </a:pPr>
-            <a:r>
-              <a:rPr lang="is-IS" sz="1400" dirty="0"/>
-              <a:t>(92, 79)	0.083</a:t>
-            </a:r>
+              <a:rPr lang="fi-FI" dirty="0"/>
+              <a:t>92 29 12 34 79 29 56 12 34 18</a:t>
+            </a:r>
+            <a:endParaRPr lang="en-US" dirty="0"/>
           </a:p>
         </p:txBody>
       </p:sp>
     </p:spTree>
     <p:extLst>
       <p:ext uri="{BB962C8B-B14F-4D97-AF65-F5344CB8AC3E}">
-        <p14:creationId xmlns:p14="http://schemas.microsoft.com/office/powerpoint/2010/main" val="638422090"/>
+        <p14:creationId xmlns:p14="http://schemas.microsoft.com/office/powerpoint/2010/main" val="2089018456"/>
       </p:ext>
     </p:extLst>
   </p:cSld>
@@ -10060,68 +9852,375 @@
             <p:ph type="title"/>
           </p:nvPr>
         </p:nvSpPr>
+        <p:spPr/>
+        <p:txBody>
+          <a:bodyPr/>
+          <a:lstStyle/>
+          <a:p>
+            <a:r>
+              <a:rPr lang="en-US" dirty="0" smtClean="0"/>
+              <a:t>Result - PAIR </a:t>
+            </a:r>
+            <a:r>
+              <a:rPr lang="en-US" dirty="0"/>
+              <a:t>approach </a:t>
+            </a:r>
+          </a:p>
+        </p:txBody>
+      </p:sp>
+      <p:sp>
+        <p:nvSpPr>
+          <p:cNvPr id="3" name="Content Placeholder 2"/>
+          <p:cNvSpPr>
+            <a:spLocks noGrp="1"/>
+          </p:cNvSpPr>
+          <p:nvPr>
+            <p:ph idx="1"/>
+          </p:nvPr>
+        </p:nvSpPr>
         <p:spPr>
           <a:xfrm>
-            <a:off x="1484311" y="262467"/>
-            <a:ext cx="10018713" cy="1752599"/>
+            <a:off x="1964267" y="2438399"/>
+            <a:ext cx="9538756" cy="3352801"/>
           </a:xfrm>
         </p:spPr>
         <p:txBody>
-          <a:bodyPr/>
-          <a:lstStyle/>
-          <a:p>
-            <a:r>
-              <a:rPr lang="en-US" dirty="0"/>
-              <a:t>Pseudo </a:t>
-            </a:r>
-            <a:r>
-              <a:rPr lang="en-US" dirty="0" smtClean="0"/>
-              <a:t>code – STRIPE approach</a:t>
-            </a:r>
-            <a:br>
-              <a:rPr lang="en-US" dirty="0" smtClean="0"/>
-            </a:br>
-            <a:r>
-              <a:rPr lang="en-US" dirty="0" smtClean="0"/>
-              <a:t>Mapper</a:t>
-            </a:r>
-            <a:endParaRPr lang="en-US" dirty="0"/>
-          </a:p>
-        </p:txBody>
-      </p:sp>
-      <p:pic>
-        <p:nvPicPr>
-          <p:cNvPr id="5" name="Content Placeholder 4"/>
-          <p:cNvPicPr>
-            <a:picLocks noGrp="1" noChangeAspect="1"/>
-          </p:cNvPicPr>
-          <p:nvPr>
-            <p:ph idx="1"/>
-          </p:nvPr>
-        </p:nvPicPr>
-        <p:blipFill>
-          <a:blip r:embed="rId3">
-            <a:extLst>
-              <a:ext uri="{28A0092B-C50C-407E-A947-70E740481C1C}">
-                <a14:useLocalDpi xmlns:a14="http://schemas.microsoft.com/office/drawing/2010/main" val="0"/>
-              </a:ext>
-            </a:extLst>
-          </a:blip>
-          <a:stretch>
-            <a:fillRect/>
-          </a:stretch>
-        </p:blipFill>
-        <p:spPr>
-          <a:xfrm>
-            <a:off x="3883423" y="2015067"/>
-            <a:ext cx="5158978" cy="4662158"/>
-          </a:xfrm>
-        </p:spPr>
-      </p:pic>
+          <a:bodyPr numCol="3">
+            <a:noAutofit/>
+          </a:bodyPr>
+          <a:lstStyle/>
+          <a:p>
+            <a:pPr marL="1257300" lvl="3" indent="0">
+              <a:buNone/>
+            </a:pPr>
+            <a:r>
+              <a:rPr lang="is-IS" sz="1400" dirty="0"/>
+              <a:t>(12, 18)	0.091</a:t>
+            </a:r>
+          </a:p>
+          <a:p>
+            <a:pPr marL="1257300" lvl="3" indent="0">
+              <a:buNone/>
+            </a:pPr>
+            <a:r>
+              <a:rPr lang="is-IS" sz="1400" dirty="0"/>
+              <a:t>(12, 29)	0.182</a:t>
+            </a:r>
+          </a:p>
+          <a:p>
+            <a:pPr marL="1257300" lvl="3" indent="0">
+              <a:buNone/>
+            </a:pPr>
+            <a:r>
+              <a:rPr lang="is-IS" sz="1400" dirty="0"/>
+              <a:t>(12, 34)	0.364</a:t>
+            </a:r>
+          </a:p>
+          <a:p>
+            <a:pPr marL="1257300" lvl="3" indent="0">
+              <a:buNone/>
+            </a:pPr>
+            <a:r>
+              <a:rPr lang="is-IS" sz="1400" dirty="0"/>
+              <a:t>(12, 56)	0.182</a:t>
+            </a:r>
+          </a:p>
+          <a:p>
+            <a:pPr marL="1257300" lvl="3" indent="0">
+              <a:buNone/>
+            </a:pPr>
+            <a:r>
+              <a:rPr lang="is-IS" sz="1400" dirty="0"/>
+              <a:t>(12, 79)	0.091</a:t>
+            </a:r>
+          </a:p>
+          <a:p>
+            <a:pPr marL="1257300" lvl="3" indent="0">
+              <a:buNone/>
+            </a:pPr>
+            <a:r>
+              <a:rPr lang="is-IS" sz="1400" dirty="0"/>
+              <a:t>(12, 92)	0.091</a:t>
+            </a:r>
+          </a:p>
+          <a:p>
+            <a:pPr marL="1257300" lvl="3" indent="0">
+              <a:buNone/>
+            </a:pPr>
+            <a:r>
+              <a:rPr lang="is-IS" sz="1400" dirty="0"/>
+              <a:t>(29, 12)	0.308</a:t>
+            </a:r>
+          </a:p>
+          <a:p>
+            <a:pPr marL="1257300" lvl="3" indent="0">
+              <a:buNone/>
+            </a:pPr>
+            <a:r>
+              <a:rPr lang="is-IS" sz="1400" dirty="0"/>
+              <a:t>(29, 18)	0.077</a:t>
+            </a:r>
+          </a:p>
+          <a:p>
+            <a:pPr marL="1257300" lvl="3" indent="0">
+              <a:buNone/>
+            </a:pPr>
+            <a:r>
+              <a:rPr lang="is-IS" sz="1400" dirty="0"/>
+              <a:t>(29, 34)	0.308</a:t>
+            </a:r>
+          </a:p>
+          <a:p>
+            <a:pPr marL="1257300" lvl="3" indent="0">
+              <a:buNone/>
+            </a:pPr>
+            <a:r>
+              <a:rPr lang="is-IS" sz="1400" dirty="0"/>
+              <a:t>(29, 56)	0.154</a:t>
+            </a:r>
+          </a:p>
+          <a:p>
+            <a:pPr marL="1257300" lvl="3" indent="0">
+              <a:buNone/>
+            </a:pPr>
+            <a:r>
+              <a:rPr lang="is-IS" sz="1400" dirty="0"/>
+              <a:t>(29, 79)	</a:t>
+            </a:r>
+            <a:r>
+              <a:rPr lang="is-IS" sz="1400" dirty="0" smtClean="0"/>
+              <a:t>0.077</a:t>
+            </a:r>
+          </a:p>
+          <a:p>
+            <a:pPr marL="1257300" lvl="3" indent="0">
+              <a:buNone/>
+            </a:pPr>
+            <a:endParaRPr lang="is-IS" sz="1400" dirty="0"/>
+          </a:p>
+          <a:p>
+            <a:pPr marL="1257300" lvl="3" indent="0">
+              <a:buNone/>
+            </a:pPr>
+            <a:r>
+              <a:rPr lang="is-IS" sz="1400" dirty="0"/>
+              <a:t>(29, 92)	0.077</a:t>
+            </a:r>
+          </a:p>
+          <a:p>
+            <a:pPr marL="1257300" lvl="3" indent="0">
+              <a:buNone/>
+            </a:pPr>
+            <a:r>
+              <a:rPr lang="is-IS" sz="1400" dirty="0"/>
+              <a:t>(34, 12)	0.25</a:t>
+            </a:r>
+          </a:p>
+          <a:p>
+            <a:pPr marL="1257300" lvl="3" indent="0">
+              <a:buNone/>
+            </a:pPr>
+            <a:r>
+              <a:rPr lang="is-IS" sz="1400" dirty="0"/>
+              <a:t>(34, 18)	0.083</a:t>
+            </a:r>
+          </a:p>
+          <a:p>
+            <a:pPr marL="1257300" lvl="3" indent="0">
+              <a:buNone/>
+            </a:pPr>
+            <a:r>
+              <a:rPr lang="is-IS" sz="1400" dirty="0"/>
+              <a:t>(34, 29)	0.25</a:t>
+            </a:r>
+          </a:p>
+          <a:p>
+            <a:pPr marL="1257300" lvl="3" indent="0">
+              <a:buNone/>
+            </a:pPr>
+            <a:r>
+              <a:rPr lang="is-IS" sz="1400" dirty="0"/>
+              <a:t>(34, 56)	0.25</a:t>
+            </a:r>
+          </a:p>
+          <a:p>
+            <a:pPr marL="1257300" lvl="3" indent="0">
+              <a:buNone/>
+            </a:pPr>
+            <a:r>
+              <a:rPr lang="is-IS" sz="1400" dirty="0"/>
+              <a:t>(34, 79)	0.083</a:t>
+            </a:r>
+          </a:p>
+          <a:p>
+            <a:pPr marL="1257300" lvl="3" indent="0">
+              <a:buNone/>
+            </a:pPr>
+            <a:r>
+              <a:rPr lang="is-IS" sz="1400" dirty="0"/>
+              <a:t>(34, 92)	0.083</a:t>
+            </a:r>
+          </a:p>
+          <a:p>
+            <a:pPr marL="1257300" lvl="3" indent="0">
+              <a:buNone/>
+            </a:pPr>
+            <a:r>
+              <a:rPr lang="cs-CZ" sz="1400" dirty="0"/>
+              <a:t>(56, 12)	0.3</a:t>
+            </a:r>
+          </a:p>
+          <a:p>
+            <a:pPr marL="1257300" lvl="3" indent="0">
+              <a:buNone/>
+            </a:pPr>
+            <a:r>
+              <a:rPr lang="cs-CZ" sz="1400" dirty="0"/>
+              <a:t>(56, 18)	0.1</a:t>
+            </a:r>
+          </a:p>
+          <a:p>
+            <a:pPr marL="1257300" lvl="3" indent="0">
+              <a:buNone/>
+            </a:pPr>
+            <a:r>
+              <a:rPr lang="is-IS" sz="1400" dirty="0"/>
+              <a:t>(56, 29)	0.2</a:t>
+            </a:r>
+          </a:p>
+          <a:p>
+            <a:pPr marL="1257300" lvl="3" indent="0">
+              <a:buNone/>
+            </a:pPr>
+            <a:r>
+              <a:rPr lang="it-IT" sz="1400" dirty="0"/>
+              <a:t>(56, 34)	</a:t>
+            </a:r>
+            <a:r>
+              <a:rPr lang="it-IT" sz="1400" dirty="0" smtClean="0"/>
+              <a:t>0.3</a:t>
+            </a:r>
+          </a:p>
+          <a:p>
+            <a:pPr marL="1257300" lvl="3" indent="0">
+              <a:buNone/>
+            </a:pPr>
+            <a:endParaRPr lang="it-IT" sz="1400" dirty="0"/>
+          </a:p>
+          <a:p>
+            <a:pPr marL="1257300" lvl="3" indent="0">
+              <a:buNone/>
+            </a:pPr>
+            <a:r>
+              <a:rPr lang="is-IS" sz="1400" dirty="0"/>
+              <a:t>(56, 92)	0.1</a:t>
+            </a:r>
+          </a:p>
+          <a:p>
+            <a:pPr marL="1257300" lvl="3" indent="0">
+              <a:buNone/>
+            </a:pPr>
+            <a:r>
+              <a:rPr lang="cs-CZ" sz="1400" dirty="0"/>
+              <a:t>(79, 12)	0.2</a:t>
+            </a:r>
+          </a:p>
+          <a:p>
+            <a:pPr marL="1257300" lvl="3" indent="0">
+              <a:buNone/>
+            </a:pPr>
+            <a:r>
+              <a:rPr lang="cs-CZ" sz="1400" dirty="0"/>
+              <a:t>(79, 18)	0.2</a:t>
+            </a:r>
+          </a:p>
+          <a:p>
+            <a:pPr marL="1257300" lvl="3" indent="0">
+              <a:buNone/>
+            </a:pPr>
+            <a:r>
+              <a:rPr lang="is-IS" sz="1400" dirty="0"/>
+              <a:t>(79, 29)	0.2</a:t>
+            </a:r>
+          </a:p>
+          <a:p>
+            <a:pPr marL="1257300" lvl="3" indent="0">
+              <a:buNone/>
+            </a:pPr>
+            <a:r>
+              <a:rPr lang="is-IS" sz="1400" dirty="0"/>
+              <a:t>(79, 34)	0.2</a:t>
+            </a:r>
+          </a:p>
+          <a:p>
+            <a:pPr marL="1257300" lvl="3" indent="0">
+              <a:buNone/>
+            </a:pPr>
+            <a:r>
+              <a:rPr lang="is-IS" sz="1400" dirty="0"/>
+              <a:t>(79, 56)	0.2</a:t>
+            </a:r>
+          </a:p>
+          <a:p>
+            <a:pPr marL="1257300" lvl="3" indent="0">
+              <a:buNone/>
+            </a:pPr>
+            <a:r>
+              <a:rPr lang="is-IS" sz="1400" dirty="0"/>
+              <a:t>(92, 12)	0.25</a:t>
+            </a:r>
+          </a:p>
+          <a:p>
+            <a:pPr marL="1257300" lvl="3" indent="0">
+              <a:buNone/>
+            </a:pPr>
+            <a:r>
+              <a:rPr lang="is-IS" sz="1400" dirty="0"/>
+              <a:t>(92, 18)	0.083</a:t>
+            </a:r>
+          </a:p>
+          <a:p>
+            <a:pPr marL="1257300" lvl="3" indent="0">
+              <a:buNone/>
+            </a:pPr>
+            <a:r>
+              <a:rPr lang="is-IS" sz="1400" dirty="0"/>
+              <a:t>(92, 29)	0.25</a:t>
+            </a:r>
+          </a:p>
+          <a:p>
+            <a:pPr marL="1257300" lvl="3" indent="0">
+              <a:buNone/>
+            </a:pPr>
+            <a:r>
+              <a:rPr lang="is-IS" sz="1400" dirty="0"/>
+              <a:t>(92, 34)	0.25</a:t>
+            </a:r>
+          </a:p>
+          <a:p>
+            <a:pPr marL="1257300" lvl="3" indent="0">
+              <a:buNone/>
+            </a:pPr>
+            <a:r>
+              <a:rPr lang="is-IS" sz="1400" dirty="0"/>
+              <a:t>(92, 56)	0.083</a:t>
+            </a:r>
+          </a:p>
+          <a:p>
+            <a:pPr marL="1257300" lvl="3" indent="0">
+              <a:buNone/>
+            </a:pPr>
+            <a:r>
+              <a:rPr lang="is-IS" sz="1400" dirty="0"/>
+              <a:t>(92, 79)	0.083</a:t>
+            </a:r>
+          </a:p>
+        </p:txBody>
+      </p:sp>
     </p:spTree>
     <p:extLst>
       <p:ext uri="{BB962C8B-B14F-4D97-AF65-F5344CB8AC3E}">
-        <p14:creationId xmlns:p14="http://schemas.microsoft.com/office/powerpoint/2010/main" val="608413784"/>
+        <p14:creationId xmlns:p14="http://schemas.microsoft.com/office/powerpoint/2010/main" val="638422090"/>
       </p:ext>
     </p:extLst>
   </p:cSld>
@@ -10175,7 +10274,7 @@
         </p:nvSpPr>
         <p:spPr>
           <a:xfrm>
-            <a:off x="1501245" y="-270933"/>
+            <a:off x="1484311" y="262467"/>
             <a:ext cx="10018713" cy="1752599"/>
           </a:xfrm>
         </p:spPr>
@@ -10185,7 +10284,7 @@
           <a:p>
             <a:r>
               <a:rPr lang="en-US" dirty="0"/>
-              <a:t>Java </a:t>
+              <a:t>Pseudo </a:t>
             </a:r>
             <a:r>
               <a:rPr lang="en-US" dirty="0" smtClean="0"/>
@@ -10196,7 +10295,7 @@
             </a:br>
             <a:r>
               <a:rPr lang="en-US" dirty="0" smtClean="0"/>
-              <a:t>Mapper </a:t>
+              <a:t>Mapper</a:t>
             </a:r>
             <a:endParaRPr lang="en-US" dirty="0"/>
           </a:p>
@@ -10204,7 +10303,7 @@
       </p:sp>
       <p:pic>
         <p:nvPicPr>
-          <p:cNvPr id="7" name="Content Placeholder 6"/>
+          <p:cNvPr id="5" name="Content Placeholder 4"/>
           <p:cNvPicPr>
             <a:picLocks noGrp="1" noChangeAspect="1"/>
           </p:cNvPicPr>
@@ -10226,15 +10325,15 @@
         </p:blipFill>
         <p:spPr>
           <a:xfrm>
-            <a:off x="2302933" y="1481666"/>
-            <a:ext cx="9217025" cy="4988037"/>
+            <a:off x="3883423" y="2015067"/>
+            <a:ext cx="5158978" cy="4662158"/>
           </a:xfrm>
         </p:spPr>
       </p:pic>
     </p:spTree>
     <p:extLst>
       <p:ext uri="{BB962C8B-B14F-4D97-AF65-F5344CB8AC3E}">
-        <p14:creationId xmlns:p14="http://schemas.microsoft.com/office/powerpoint/2010/main" val="756898537"/>
+        <p14:creationId xmlns:p14="http://schemas.microsoft.com/office/powerpoint/2010/main" val="608413784"/>
       </p:ext>
     </p:extLst>
   </p:cSld>
@@ -10286,29 +10385,30 @@
             <p:ph type="title"/>
           </p:nvPr>
         </p:nvSpPr>
-        <p:spPr/>
+        <p:spPr>
+          <a:xfrm>
+            <a:off x="1501245" y="-270933"/>
+            <a:ext cx="10018713" cy="1752599"/>
+          </a:xfrm>
+        </p:spPr>
         <p:txBody>
           <a:bodyPr/>
           <a:lstStyle/>
           <a:p>
             <a:r>
               <a:rPr lang="en-US" dirty="0"/>
-              <a:t>Pseudo code </a:t>
+              <a:t>Java </a:t>
             </a:r>
             <a:r>
               <a:rPr lang="en-US" dirty="0" smtClean="0"/>
-              <a:t>– STRIPE approach</a:t>
-            </a:r>
-            <a:r>
-              <a:rPr lang="en-US" dirty="0"/>
-              <a:t/>
+              <a:t>code – STRIPE approach</a:t>
             </a:r>
             <a:br>
-              <a:rPr lang="en-US" dirty="0"/>
+              <a:rPr lang="en-US" dirty="0" smtClean="0"/>
             </a:br>
             <a:r>
               <a:rPr lang="en-US" dirty="0" smtClean="0"/>
-              <a:t>Reducer</a:t>
+              <a:t>Mapper </a:t>
             </a:r>
             <a:endParaRPr lang="en-US" dirty="0"/>
           </a:p>
@@ -10316,7 +10416,7 @@
       </p:sp>
       <p:pic>
         <p:nvPicPr>
-          <p:cNvPr id="6" name="Content Placeholder 5"/>
+          <p:cNvPr id="7" name="Content Placeholder 6"/>
           <p:cNvPicPr>
             <a:picLocks noGrp="1" noChangeAspect="1"/>
           </p:cNvPicPr>
@@ -10338,15 +10438,15 @@
         </p:blipFill>
         <p:spPr>
           <a:xfrm>
-            <a:off x="3111136" y="2692400"/>
-            <a:ext cx="6765061" cy="3856567"/>
+            <a:off x="2302933" y="1481666"/>
+            <a:ext cx="9217025" cy="4988037"/>
           </a:xfrm>
         </p:spPr>
       </p:pic>
     </p:spTree>
     <p:extLst>
       <p:ext uri="{BB962C8B-B14F-4D97-AF65-F5344CB8AC3E}">
-        <p14:creationId xmlns:p14="http://schemas.microsoft.com/office/powerpoint/2010/main" val="1973594324"/>
+        <p14:creationId xmlns:p14="http://schemas.microsoft.com/office/powerpoint/2010/main" val="756898537"/>
       </p:ext>
     </p:extLst>
   </p:cSld>
